--- a/Presentation/Presentation-2.pptx
+++ b/Presentation/Presentation-2.pptx
@@ -366,7 +366,7 @@
           <a:p>
             <a:fld id="{C0D0C40D-AD1E-4257-9F0D-BA61E0FA0D42}" type="slidenum">
               <a:rPr lang="it-IT" smtClean="0"/>
-              <a:t>‹#›</a:t>
+              <a:t>‹N›</a:t>
             </a:fld>
             <a:endParaRPr lang="it-IT"/>
           </a:p>
@@ -707,7 +707,7 @@
             <a:fld id="{00664C11-2C8B-4B5A-ACDF-DD795DDB2557}" type="slidenum">
               <a:rPr lang="it-IT" altLang="it-IT"/>
               <a:pPr/>
-              <a:t>‹#›</a:t>
+              <a:t>‹N›</a:t>
             </a:fld>
             <a:endParaRPr lang="it-IT" altLang="it-IT"/>
           </a:p>
@@ -1744,7 +1744,7 @@
             <a:fld id="{BB384AE0-483E-4225-9ED3-198E56E808E8}" type="slidenum">
               <a:rPr lang="en-US" altLang="it-IT"/>
               <a:pPr/>
-              <a:t>‹#›</a:t>
+              <a:t>‹N›</a:t>
             </a:fld>
             <a:endParaRPr lang="en-US" altLang="it-IT"/>
           </a:p>
@@ -2225,7 +2225,7 @@
             <a:fld id="{7A1D8CC2-AC32-48BF-A9F5-B79D7A95954F}" type="slidenum">
               <a:rPr lang="en-US" altLang="it-IT" smtClean="0"/>
               <a:pPr/>
-              <a:t>‹#›</a:t>
+              <a:t>‹N›</a:t>
             </a:fld>
             <a:endParaRPr lang="en-US" altLang="it-IT" dirty="0"/>
           </a:p>
@@ -3027,7 +3027,7 @@
             <a:fld id="{E34113FD-3850-44A4-9600-379DB4E7D5DF}" type="slidenum">
               <a:rPr lang="en-US" altLang="it-IT"/>
               <a:pPr/>
-              <a:t>‹#›</a:t>
+              <a:t>‹N›</a:t>
             </a:fld>
             <a:endParaRPr lang="en-US" altLang="it-IT"/>
           </a:p>
@@ -3267,7 +3267,7 @@
             <a:fld id="{61C515EF-1388-40C5-A069-34A9BAA3B9F0}" type="slidenum">
               <a:rPr lang="en-US" altLang="it-IT"/>
               <a:pPr/>
-              <a:t>‹#›</a:t>
+              <a:t>‹N›</a:t>
             </a:fld>
             <a:endParaRPr lang="en-US" altLang="it-IT"/>
           </a:p>
@@ -3629,7 +3629,7 @@
             <a:fld id="{B4DC7368-C0C7-45FB-B532-E039329825BC}" type="slidenum">
               <a:rPr lang="en-US" altLang="it-IT"/>
               <a:pPr/>
-              <a:t>‹#›</a:t>
+              <a:t>‹N›</a:t>
             </a:fld>
             <a:endParaRPr lang="en-US" altLang="it-IT"/>
           </a:p>
@@ -3971,7 +3971,7 @@
             <a:fld id="{2966CA7A-D8C8-4950-9672-94C10C2A3FC5}" type="slidenum">
               <a:rPr lang="en-US" altLang="it-IT"/>
               <a:pPr/>
-              <a:t>‹#›</a:t>
+              <a:t>‹N›</a:t>
             </a:fld>
             <a:endParaRPr lang="en-US" altLang="it-IT"/>
           </a:p>
@@ -4513,7 +4513,7 @@
             <a:fld id="{D7D9A8EF-5964-469B-B6B8-A1A04A8AEE88}" type="slidenum">
               <a:rPr lang="en-US" altLang="it-IT"/>
               <a:pPr/>
-              <a:t>‹#›</a:t>
+              <a:t>‹N›</a:t>
             </a:fld>
             <a:endParaRPr lang="en-US" altLang="it-IT"/>
           </a:p>
@@ -4769,7 +4769,7 @@
             <a:fld id="{8D869FAD-22E2-41D6-B70E-744273523090}" type="slidenum">
               <a:rPr lang="en-US" altLang="it-IT"/>
               <a:pPr/>
-              <a:t>‹#›</a:t>
+              <a:t>‹N›</a:t>
             </a:fld>
             <a:endParaRPr lang="en-US" altLang="it-IT"/>
           </a:p>
@@ -5114,7 +5114,7 @@
             <a:fld id="{7A1D8CC2-AC32-48BF-A9F5-B79D7A95954F}" type="slidenum">
               <a:rPr lang="en-US" altLang="it-IT"/>
               <a:pPr/>
-              <a:t>‹#›</a:t>
+              <a:t>‹N›</a:t>
             </a:fld>
             <a:endParaRPr lang="en-US" altLang="it-IT"/>
           </a:p>
@@ -8707,7 +8707,7 @@
                 </a:solidFill>
                 <a:latin typeface="Garamond" panose="02020404030301010803" pitchFamily="18" charset="0"/>
               </a:rPr>
-              <a:t>Given the facts:</a:t>
+              <a:t>Important facts about fake news:</a:t>
             </a:r>
           </a:p>
           <a:p>
@@ -8894,7 +8894,7 @@
                 </a:solidFill>
                 <a:latin typeface="Garamond" panose="02020404030301010803" pitchFamily="18" charset="0"/>
               </a:rPr>
-              <a:t>for detecting Fake News and hoaxes.</a:t>
+              <a:t>for detecting Fake News and hoaxes on Social Networks platforms.</a:t>
             </a:r>
           </a:p>
         </p:txBody>

--- a/Presentation/Presentation-2.pptx
+++ b/Presentation/Presentation-2.pptx
@@ -6542,7 +6542,7 @@
         <p:spPr>
           <a:xfrm>
             <a:off x="8670794" y="6396335"/>
-            <a:ext cx="473206" cy="461665"/>
+            <a:ext cx="328936" cy="461665"/>
           </a:xfrm>
           <a:prstGeom prst="rect">
             <a:avLst/>
@@ -6566,7 +6566,7 @@
                 </a:solidFill>
                 <a:latin typeface="Garamond" panose="02020404030301010803" pitchFamily="18" charset="0"/>
               </a:rPr>
-              <a:t>15</a:t>
+              <a:t>9</a:t>
             </a:r>
             <a:endParaRPr lang="en-US" altLang="it-IT" sz="1800" dirty="0">
               <a:solidFill>
@@ -6864,7 +6864,25 @@
                 </a:solidFill>
                 <a:latin typeface="Garamond" panose="02020404030301010803" pitchFamily="18" charset="0"/>
               </a:rPr>
-              <a:t>Try different hyperparameters during training that lead to better performance;</a:t>
+              <a:t>Try different hyperparameters during training </a:t>
+            </a:r>
+            <a:r>
+              <a:rPr lang="en-US" altLang="it-IT" sz="2200">
+                <a:solidFill>
+                  <a:srgbClr val="000000"/>
+                </a:solidFill>
+                <a:latin typeface="Garamond" panose="02020404030301010803" pitchFamily="18" charset="0"/>
+              </a:rPr>
+              <a:t>that may lead </a:t>
+            </a:r>
+            <a:r>
+              <a:rPr lang="en-US" altLang="it-IT" sz="2200" dirty="0">
+                <a:solidFill>
+                  <a:srgbClr val="000000"/>
+                </a:solidFill>
+                <a:latin typeface="Garamond" panose="02020404030301010803" pitchFamily="18" charset="0"/>
+              </a:rPr>
+              <a:t>to better performance;</a:t>
             </a:r>
           </a:p>
           <a:p>
@@ -9750,7 +9768,7 @@
         <p:spPr>
           <a:xfrm>
             <a:off x="8815064" y="6408477"/>
-            <a:ext cx="328936" cy="461665"/>
+            <a:ext cx="293670" cy="369332"/>
           </a:xfrm>
           <a:prstGeom prst="rect">
             <a:avLst/>
@@ -9768,20 +9786,14 @@
               </a:spcBef>
             </a:pPr>
             <a:r>
-              <a:rPr lang="en-US" altLang="it-IT" sz="2400" dirty="0">
+              <a:rPr lang="en-US" altLang="it-IT" sz="1800" dirty="0">
                 <a:solidFill>
                   <a:srgbClr val="000000"/>
                 </a:solidFill>
                 <a:latin typeface="Garamond" panose="02020404030301010803" pitchFamily="18" charset="0"/>
               </a:rPr>
-              <a:t>4</a:t>
-            </a:r>
-            <a:endParaRPr lang="en-US" altLang="it-IT" sz="1800" dirty="0">
-              <a:solidFill>
-                <a:srgbClr val="000000"/>
-              </a:solidFill>
-              <a:latin typeface="Garamond" panose="02020404030301010803" pitchFamily="18" charset="0"/>
-            </a:endParaRPr>
+              <a:t>5</a:t>
+            </a:r>
           </a:p>
         </p:txBody>
       </p:sp>
@@ -10530,7 +10542,7 @@
                 </a:solidFill>
                 <a:latin typeface="Garamond" panose="02020404030301010803" pitchFamily="18" charset="0"/>
               </a:rPr>
-              <a:t>5</a:t>
+              <a:t>6</a:t>
             </a:r>
             <a:endParaRPr lang="en-US" altLang="it-IT" sz="1800" dirty="0">
               <a:solidFill>
@@ -10909,7 +10921,25 @@
                 </a:solidFill>
                 <a:latin typeface="Garamond" panose="02020404030301010803" pitchFamily="18" charset="0"/>
               </a:rPr>
-              <a:t>One-dimensional Convolutional Neural Network have been used widely in Natural Language Processing [Yoon Kim, 2014]. Text is tokenized trough an embedding layer which uses pretrained word embeddings. We deploy a network composed of 3 convolutional layers (followed by Max pooling) with kernel size of 5 and 3 Dense layers (with dropout).  </a:t>
+              <a:t>One-dimensional Convolutional Neural Network have been used widely in Natural Language Processing [Yoon Kim, 2014]. Text is tokenized trough an embedding layer which uses pretrained word embeddings. We deploy a network composed of 3 convolutional layers (followed by Max pooling) with kernel size of 5 and 3 Dense layers (with dropout), using </a:t>
+            </a:r>
+            <a:r>
+              <a:rPr lang="en-US" altLang="it-IT" sz="2200" dirty="0" err="1">
+                <a:solidFill>
+                  <a:srgbClr val="000000"/>
+                </a:solidFill>
+                <a:latin typeface="Garamond" panose="02020404030301010803" pitchFamily="18" charset="0"/>
+              </a:rPr>
+              <a:t>adam</a:t>
+            </a:r>
+            <a:r>
+              <a:rPr lang="en-US" altLang="it-IT" sz="2200" dirty="0">
+                <a:solidFill>
+                  <a:srgbClr val="000000"/>
+                </a:solidFill>
+                <a:latin typeface="Garamond" panose="02020404030301010803" pitchFamily="18" charset="0"/>
+              </a:rPr>
+              <a:t> optimizer and binary cross entropy loss function.</a:t>
             </a:r>
           </a:p>
         </p:txBody>
@@ -10936,7 +10966,7 @@
         </p:blipFill>
         <p:spPr>
           <a:xfrm>
-            <a:off x="2781762" y="3405666"/>
+            <a:off x="2781762" y="3490613"/>
             <a:ext cx="3829050" cy="2257425"/>
           </a:xfrm>
           <a:prstGeom prst="rect">
@@ -11231,7 +11261,7 @@
                 </a:solidFill>
                 <a:latin typeface="Garamond" panose="02020404030301010803" pitchFamily="18" charset="0"/>
               </a:rPr>
-              <a:t>5</a:t>
+              <a:t>7</a:t>
             </a:r>
             <a:endParaRPr lang="en-US" altLang="it-IT" sz="1800" dirty="0">
               <a:solidFill>
@@ -11537,7 +11567,25 @@
                 </a:solidFill>
                 <a:latin typeface="Garamond" panose="02020404030301010803" pitchFamily="18" charset="0"/>
               </a:rPr>
-              <a:t> and stacked 3 Dense layers with dropout on top of the model to fine-tune for our classification task. </a:t>
+              <a:t> and stacked 3 Dense layers with dropout on top of the model to fine-tune for our classification task, using </a:t>
+            </a:r>
+            <a:r>
+              <a:rPr lang="en-US" altLang="it-IT" sz="2200" dirty="0" err="1">
+                <a:solidFill>
+                  <a:srgbClr val="000000"/>
+                </a:solidFill>
+                <a:latin typeface="Garamond" panose="02020404030301010803" pitchFamily="18" charset="0"/>
+              </a:rPr>
+              <a:t>adam</a:t>
+            </a:r>
+            <a:r>
+              <a:rPr lang="en-US" altLang="it-IT" sz="2200" dirty="0">
+                <a:solidFill>
+                  <a:srgbClr val="000000"/>
+                </a:solidFill>
+                <a:latin typeface="Garamond" panose="02020404030301010803" pitchFamily="18" charset="0"/>
+              </a:rPr>
+              <a:t> optimizer and Binary Focal loss. </a:t>
             </a:r>
           </a:p>
         </p:txBody>
@@ -11564,7 +11612,7 @@
         </p:blipFill>
         <p:spPr>
           <a:xfrm>
-            <a:off x="2823100" y="3132735"/>
+            <a:off x="2823100" y="3403239"/>
             <a:ext cx="4152329" cy="2543573"/>
           </a:xfrm>
           <a:prstGeom prst="rect">
@@ -11685,7 +11733,7 @@
                 </a:solidFill>
                 <a:latin typeface="Garamond" panose="02020404030301010803" pitchFamily="18" charset="0"/>
               </a:rPr>
-              <a:t>6</a:t>
+              <a:t>8</a:t>
             </a:r>
             <a:endParaRPr lang="en-US" altLang="it-IT" sz="1800" dirty="0">
               <a:solidFill>

--- a/Presentation/Presentation-2.pptx
+++ b/Presentation/Presentation-2.pptx
@@ -7464,7 +7464,7 @@
                 </a:solidFill>
                 <a:latin typeface="Garamond" panose="02020404030301010803" pitchFamily="18" charset="0"/>
               </a:rPr>
-              <a:t>The Solution with AI</a:t>
+              <a:t>The Dataset and pre-processing</a:t>
             </a:r>
           </a:p>
           <a:p>
@@ -7482,7 +7482,7 @@
                 </a:solidFill>
                 <a:latin typeface="Garamond" panose="02020404030301010803" pitchFamily="18" charset="0"/>
               </a:rPr>
-              <a:t>What we tried</a:t>
+              <a:t>Our models</a:t>
             </a:r>
           </a:p>
           <a:p>
@@ -7500,7 +7500,7 @@
                 </a:solidFill>
                 <a:latin typeface="Garamond" panose="02020404030301010803" pitchFamily="18" charset="0"/>
               </a:rPr>
-              <a:t>Performance comparisons vs. other papers</a:t>
+              <a:t>Results</a:t>
             </a:r>
           </a:p>
           <a:p>
